--- a/Search5Present.pptx
+++ b/Search5Present.pptx
@@ -10,6 +10,7 @@
     <p:sldId id="260" r:id="rId4"/>
     <p:sldId id="259" r:id="rId5"/>
     <p:sldId id="258" r:id="rId6"/>
+    <p:sldId id="261" r:id="rId7"/>
   </p:sldIdLst>
   <p:sldSz cx="12192000" cy="6858000"/>
   <p:notesSz cx="6858000" cy="9144000"/>
@@ -108,7 +109,24 @@
       </a:defRPr>
     </a:lvl9pPr>
   </p:defaultTextStyle>
+  <p:extLst>
+    <p:ext uri="{EFAFB233-063F-42B5-8137-9DF3F51BA10A}">
+      <p15:sldGuideLst xmlns:p15="http://schemas.microsoft.com/office/powerpoint/2012/main"/>
+    </p:ext>
+  </p:extLst>
 </p:presentation>
+</file>
+
+<file path=ppt/commentAuthors.xml><?xml version="1.0" encoding="utf-8"?>
+<p:cmAuthorLst xmlns:a="http://schemas.openxmlformats.org/drawingml/2006/main" xmlns:r="http://schemas.openxmlformats.org/officeDocument/2006/relationships" xmlns:p="http://schemas.openxmlformats.org/presentationml/2006/main">
+  <p:cmAuthor id="1" name="Vahagn Voskanyan" initials="VV" lastIdx="1" clrIdx="0">
+    <p:extLst>
+      <p:ext uri="{19B8F6BF-5375-455C-9EA6-DF929625EA0E}">
+        <p15:presenceInfo xmlns:p15="http://schemas.microsoft.com/office/powerpoint/2012/main" userId="864c908a6d15b167" providerId="Windows Live"/>
+      </p:ext>
+    </p:extLst>
+  </p:cmAuthor>
+</p:cmAuthorLst>
 </file>
 
 <file path=ppt/slideLayouts/slideLayout1.xml><?xml version="1.0" encoding="utf-8"?>
@@ -258,7 +276,7 @@
           <a:p>
             <a:fld id="{36CF73AB-770E-4EF7-9C71-B6BA3DABB2C3}" type="datetimeFigureOut">
               <a:rPr lang="en-US" smtClean="0"/>
-              <a:t>3/3/2023</a:t>
+              <a:t>3/10/2023</a:t>
             </a:fld>
             <a:endParaRPr lang="en-US"/>
           </a:p>
@@ -328,13 +346,13 @@
   <p:clrMapOvr>
     <a:masterClrMapping/>
   </p:clrMapOvr>
-  <mc:AlternateContent xmlns:mc="http://schemas.openxmlformats.org/markup-compatibility/2006">
-    <mc:Choice xmlns:p159="http://schemas.microsoft.com/office/powerpoint/2015/09/main" Requires="p159">
+  <mc:AlternateContent xmlns:mc="http://schemas.openxmlformats.org/markup-compatibility/2006" xmlns:p159="http://schemas.microsoft.com/office/powerpoint/2015/09/main">
+    <mc:Choice Requires="p159">
       <p:transition xmlns:p14="http://schemas.microsoft.com/office/powerpoint/2010/main" spd="slow" p14:dur="2000">
         <p159:morph option="byObject"/>
       </p:transition>
     </mc:Choice>
-    <mc:Fallback>
+    <mc:Fallback xmlns="">
       <p:transition spd="slow">
         <p:fade/>
       </p:transition>
@@ -468,7 +486,7 @@
           <a:p>
             <a:fld id="{36CF73AB-770E-4EF7-9C71-B6BA3DABB2C3}" type="datetimeFigureOut">
               <a:rPr lang="en-US" smtClean="0"/>
-              <a:t>3/3/2023</a:t>
+              <a:t>3/10/2023</a:t>
             </a:fld>
             <a:endParaRPr lang="en-US"/>
           </a:p>
@@ -538,13 +556,13 @@
   <p:clrMapOvr>
     <a:masterClrMapping/>
   </p:clrMapOvr>
-  <mc:AlternateContent xmlns:mc="http://schemas.openxmlformats.org/markup-compatibility/2006">
-    <mc:Choice xmlns:p159="http://schemas.microsoft.com/office/powerpoint/2015/09/main" Requires="p159">
+  <mc:AlternateContent xmlns:mc="http://schemas.openxmlformats.org/markup-compatibility/2006" xmlns:p159="http://schemas.microsoft.com/office/powerpoint/2015/09/main">
+    <mc:Choice Requires="p159">
       <p:transition xmlns:p14="http://schemas.microsoft.com/office/powerpoint/2010/main" spd="slow" p14:dur="2000">
         <p159:morph option="byObject"/>
       </p:transition>
     </mc:Choice>
-    <mc:Fallback>
+    <mc:Fallback xmlns="">
       <p:transition spd="slow">
         <p:fade/>
       </p:transition>
@@ -688,7 +706,7 @@
           <a:p>
             <a:fld id="{36CF73AB-770E-4EF7-9C71-B6BA3DABB2C3}" type="datetimeFigureOut">
               <a:rPr lang="en-US" smtClean="0"/>
-              <a:t>3/3/2023</a:t>
+              <a:t>3/10/2023</a:t>
             </a:fld>
             <a:endParaRPr lang="en-US"/>
           </a:p>
@@ -758,13 +776,13 @@
   <p:clrMapOvr>
     <a:masterClrMapping/>
   </p:clrMapOvr>
-  <mc:AlternateContent xmlns:mc="http://schemas.openxmlformats.org/markup-compatibility/2006">
-    <mc:Choice xmlns:p159="http://schemas.microsoft.com/office/powerpoint/2015/09/main" Requires="p159">
+  <mc:AlternateContent xmlns:mc="http://schemas.openxmlformats.org/markup-compatibility/2006" xmlns:p159="http://schemas.microsoft.com/office/powerpoint/2015/09/main">
+    <mc:Choice Requires="p159">
       <p:transition xmlns:p14="http://schemas.microsoft.com/office/powerpoint/2010/main" spd="slow" p14:dur="2000">
         <p159:morph option="byObject"/>
       </p:transition>
     </mc:Choice>
-    <mc:Fallback>
+    <mc:Fallback xmlns="">
       <p:transition spd="slow">
         <p:fade/>
       </p:transition>
@@ -898,7 +916,7 @@
           <a:p>
             <a:fld id="{36CF73AB-770E-4EF7-9C71-B6BA3DABB2C3}" type="datetimeFigureOut">
               <a:rPr lang="en-US" smtClean="0"/>
-              <a:t>3/3/2023</a:t>
+              <a:t>3/10/2023</a:t>
             </a:fld>
             <a:endParaRPr lang="en-US"/>
           </a:p>
@@ -968,13 +986,13 @@
   <p:clrMapOvr>
     <a:masterClrMapping/>
   </p:clrMapOvr>
-  <mc:AlternateContent xmlns:mc="http://schemas.openxmlformats.org/markup-compatibility/2006">
-    <mc:Choice xmlns:p159="http://schemas.microsoft.com/office/powerpoint/2015/09/main" Requires="p159">
+  <mc:AlternateContent xmlns:mc="http://schemas.openxmlformats.org/markup-compatibility/2006" xmlns:p159="http://schemas.microsoft.com/office/powerpoint/2015/09/main">
+    <mc:Choice Requires="p159">
       <p:transition xmlns:p14="http://schemas.microsoft.com/office/powerpoint/2010/main" spd="slow" p14:dur="2000">
         <p159:morph option="byObject"/>
       </p:transition>
     </mc:Choice>
-    <mc:Fallback>
+    <mc:Fallback xmlns="">
       <p:transition spd="slow">
         <p:fade/>
       </p:transition>
@@ -1185,7 +1203,7 @@
           <a:p>
             <a:fld id="{36CF73AB-770E-4EF7-9C71-B6BA3DABB2C3}" type="datetimeFigureOut">
               <a:rPr lang="en-US" smtClean="0"/>
-              <a:t>3/3/2023</a:t>
+              <a:t>3/10/2023</a:t>
             </a:fld>
             <a:endParaRPr lang="en-US"/>
           </a:p>
@@ -1255,13 +1273,13 @@
   <p:clrMapOvr>
     <a:masterClrMapping/>
   </p:clrMapOvr>
-  <mc:AlternateContent xmlns:mc="http://schemas.openxmlformats.org/markup-compatibility/2006">
-    <mc:Choice xmlns:p159="http://schemas.microsoft.com/office/powerpoint/2015/09/main" Requires="p159">
+  <mc:AlternateContent xmlns:mc="http://schemas.openxmlformats.org/markup-compatibility/2006" xmlns:p159="http://schemas.microsoft.com/office/powerpoint/2015/09/main">
+    <mc:Choice Requires="p159">
       <p:transition xmlns:p14="http://schemas.microsoft.com/office/powerpoint/2010/main" spd="slow" p14:dur="2000">
         <p159:morph option="byObject"/>
       </p:transition>
     </mc:Choice>
-    <mc:Fallback>
+    <mc:Fallback xmlns="">
       <p:transition spd="slow">
         <p:fade/>
       </p:transition>
@@ -1462,7 +1480,7 @@
           <a:p>
             <a:fld id="{36CF73AB-770E-4EF7-9C71-B6BA3DABB2C3}" type="datetimeFigureOut">
               <a:rPr lang="en-US" smtClean="0"/>
-              <a:t>3/3/2023</a:t>
+              <a:t>3/10/2023</a:t>
             </a:fld>
             <a:endParaRPr lang="en-US"/>
           </a:p>
@@ -1532,13 +1550,13 @@
   <p:clrMapOvr>
     <a:masterClrMapping/>
   </p:clrMapOvr>
-  <mc:AlternateContent xmlns:mc="http://schemas.openxmlformats.org/markup-compatibility/2006">
-    <mc:Choice xmlns:p159="http://schemas.microsoft.com/office/powerpoint/2015/09/main" Requires="p159">
+  <mc:AlternateContent xmlns:mc="http://schemas.openxmlformats.org/markup-compatibility/2006" xmlns:p159="http://schemas.microsoft.com/office/powerpoint/2015/09/main">
+    <mc:Choice Requires="p159">
       <p:transition xmlns:p14="http://schemas.microsoft.com/office/powerpoint/2010/main" spd="slow" p14:dur="2000">
         <p159:morph option="byObject"/>
       </p:transition>
     </mc:Choice>
-    <mc:Fallback>
+    <mc:Fallback xmlns="">
       <p:transition spd="slow">
         <p:fade/>
       </p:transition>
@@ -1886,7 +1904,7 @@
           <a:p>
             <a:fld id="{36CF73AB-770E-4EF7-9C71-B6BA3DABB2C3}" type="datetimeFigureOut">
               <a:rPr lang="en-US" smtClean="0"/>
-              <a:t>3/3/2023</a:t>
+              <a:t>3/10/2023</a:t>
             </a:fld>
             <a:endParaRPr lang="en-US"/>
           </a:p>
@@ -1956,13 +1974,13 @@
   <p:clrMapOvr>
     <a:masterClrMapping/>
   </p:clrMapOvr>
-  <mc:AlternateContent xmlns:mc="http://schemas.openxmlformats.org/markup-compatibility/2006">
-    <mc:Choice xmlns:p159="http://schemas.microsoft.com/office/powerpoint/2015/09/main" Requires="p159">
+  <mc:AlternateContent xmlns:mc="http://schemas.openxmlformats.org/markup-compatibility/2006" xmlns:p159="http://schemas.microsoft.com/office/powerpoint/2015/09/main">
+    <mc:Choice Requires="p159">
       <p:transition xmlns:p14="http://schemas.microsoft.com/office/powerpoint/2010/main" spd="slow" p14:dur="2000">
         <p159:morph option="byObject"/>
       </p:transition>
     </mc:Choice>
-    <mc:Fallback>
+    <mc:Fallback xmlns="">
       <p:transition spd="slow">
         <p:fade/>
       </p:transition>
@@ -2039,7 +2057,7 @@
           <a:p>
             <a:fld id="{36CF73AB-770E-4EF7-9C71-B6BA3DABB2C3}" type="datetimeFigureOut">
               <a:rPr lang="en-US" smtClean="0"/>
-              <a:t>3/3/2023</a:t>
+              <a:t>3/10/2023</a:t>
             </a:fld>
             <a:endParaRPr lang="en-US"/>
           </a:p>
@@ -2109,13 +2127,13 @@
   <p:clrMapOvr>
     <a:masterClrMapping/>
   </p:clrMapOvr>
-  <mc:AlternateContent xmlns:mc="http://schemas.openxmlformats.org/markup-compatibility/2006">
-    <mc:Choice xmlns:p159="http://schemas.microsoft.com/office/powerpoint/2015/09/main" Requires="p159">
+  <mc:AlternateContent xmlns:mc="http://schemas.openxmlformats.org/markup-compatibility/2006" xmlns:p159="http://schemas.microsoft.com/office/powerpoint/2015/09/main">
+    <mc:Choice Requires="p159">
       <p:transition xmlns:p14="http://schemas.microsoft.com/office/powerpoint/2010/main" spd="slow" p14:dur="2000">
         <p159:morph option="byObject"/>
       </p:transition>
     </mc:Choice>
-    <mc:Fallback>
+    <mc:Fallback xmlns="">
       <p:transition spd="slow">
         <p:fade/>
       </p:transition>
@@ -2164,7 +2182,7 @@
           <a:p>
             <a:fld id="{36CF73AB-770E-4EF7-9C71-B6BA3DABB2C3}" type="datetimeFigureOut">
               <a:rPr lang="en-US" smtClean="0"/>
-              <a:t>3/3/2023</a:t>
+              <a:t>3/10/2023</a:t>
             </a:fld>
             <a:endParaRPr lang="en-US"/>
           </a:p>
@@ -2234,13 +2252,13 @@
   <p:clrMapOvr>
     <a:masterClrMapping/>
   </p:clrMapOvr>
-  <mc:AlternateContent xmlns:mc="http://schemas.openxmlformats.org/markup-compatibility/2006">
-    <mc:Choice xmlns:p159="http://schemas.microsoft.com/office/powerpoint/2015/09/main" Requires="p159">
+  <mc:AlternateContent xmlns:mc="http://schemas.openxmlformats.org/markup-compatibility/2006" xmlns:p159="http://schemas.microsoft.com/office/powerpoint/2015/09/main">
+    <mc:Choice Requires="p159">
       <p:transition xmlns:p14="http://schemas.microsoft.com/office/powerpoint/2010/main" spd="slow" p14:dur="2000">
         <p159:morph option="byObject"/>
       </p:transition>
     </mc:Choice>
-    <mc:Fallback>
+    <mc:Fallback xmlns="">
       <p:transition spd="slow">
         <p:fade/>
       </p:transition>
@@ -2487,7 +2505,7 @@
           <a:p>
             <a:fld id="{36CF73AB-770E-4EF7-9C71-B6BA3DABB2C3}" type="datetimeFigureOut">
               <a:rPr lang="en-US" smtClean="0"/>
-              <a:t>3/3/2023</a:t>
+              <a:t>3/10/2023</a:t>
             </a:fld>
             <a:endParaRPr lang="en-US"/>
           </a:p>
@@ -2557,13 +2575,13 @@
   <p:clrMapOvr>
     <a:masterClrMapping/>
   </p:clrMapOvr>
-  <mc:AlternateContent xmlns:mc="http://schemas.openxmlformats.org/markup-compatibility/2006">
-    <mc:Choice xmlns:p159="http://schemas.microsoft.com/office/powerpoint/2015/09/main" Requires="p159">
+  <mc:AlternateContent xmlns:mc="http://schemas.openxmlformats.org/markup-compatibility/2006" xmlns:p159="http://schemas.microsoft.com/office/powerpoint/2015/09/main">
+    <mc:Choice Requires="p159">
       <p:transition xmlns:p14="http://schemas.microsoft.com/office/powerpoint/2010/main" spd="slow" p14:dur="2000">
         <p159:morph option="byObject"/>
       </p:transition>
     </mc:Choice>
-    <mc:Fallback>
+    <mc:Fallback xmlns="">
       <p:transition spd="slow">
         <p:fade/>
       </p:transition>
@@ -2787,7 +2805,7 @@
           <a:p>
             <a:fld id="{36CF73AB-770E-4EF7-9C71-B6BA3DABB2C3}" type="datetimeFigureOut">
               <a:rPr lang="en-US" smtClean="0"/>
-              <a:t>3/3/2023</a:t>
+              <a:t>3/10/2023</a:t>
             </a:fld>
             <a:endParaRPr lang="en-US"/>
           </a:p>
@@ -2857,13 +2875,13 @@
   <p:clrMapOvr>
     <a:masterClrMapping/>
   </p:clrMapOvr>
-  <mc:AlternateContent xmlns:mc="http://schemas.openxmlformats.org/markup-compatibility/2006">
-    <mc:Choice xmlns:p159="http://schemas.microsoft.com/office/powerpoint/2015/09/main" Requires="p159">
+  <mc:AlternateContent xmlns:mc="http://schemas.openxmlformats.org/markup-compatibility/2006" xmlns:p159="http://schemas.microsoft.com/office/powerpoint/2015/09/main">
+    <mc:Choice Requires="p159">
       <p:transition xmlns:p14="http://schemas.microsoft.com/office/powerpoint/2010/main" spd="slow" p14:dur="2000">
         <p159:morph option="byObject"/>
       </p:transition>
     </mc:Choice>
-    <mc:Fallback>
+    <mc:Fallback xmlns="">
       <p:transition spd="slow">
         <p:fade/>
       </p:transition>
@@ -3040,7 +3058,7 @@
           <a:p>
             <a:fld id="{36CF73AB-770E-4EF7-9C71-B6BA3DABB2C3}" type="datetimeFigureOut">
               <a:rPr lang="en-US" smtClean="0"/>
-              <a:t>3/3/2023</a:t>
+              <a:t>3/10/2023</a:t>
             </a:fld>
             <a:endParaRPr lang="en-US"/>
           </a:p>
@@ -3157,13 +3175,13 @@
     <p:sldLayoutId id="2147483658" r:id="rId10"/>
     <p:sldLayoutId id="2147483659" r:id="rId11"/>
   </p:sldLayoutIdLst>
-  <mc:AlternateContent xmlns:mc="http://schemas.openxmlformats.org/markup-compatibility/2006">
-    <mc:Choice xmlns:p159="http://schemas.microsoft.com/office/powerpoint/2015/09/main" Requires="p159">
+  <mc:AlternateContent xmlns:mc="http://schemas.openxmlformats.org/markup-compatibility/2006" xmlns:p159="http://schemas.microsoft.com/office/powerpoint/2015/09/main">
+    <mc:Choice Requires="p159">
       <p:transition xmlns:p14="http://schemas.microsoft.com/office/powerpoint/2010/main" spd="slow" p14:dur="2000">
         <p159:morph option="byObject"/>
       </p:transition>
     </mc:Choice>
-    <mc:Fallback>
+    <mc:Fallback xmlns="">
       <p:transition spd="slow">
         <p:fade/>
       </p:transition>
@@ -3509,13 +3527,13 @@
   <p:clrMapOvr>
     <a:masterClrMapping/>
   </p:clrMapOvr>
-  <mc:AlternateContent xmlns:mc="http://schemas.openxmlformats.org/markup-compatibility/2006">
-    <mc:Choice xmlns:p159="http://schemas.microsoft.com/office/powerpoint/2015/09/main" Requires="p159">
+  <mc:AlternateContent xmlns:mc="http://schemas.openxmlformats.org/markup-compatibility/2006" xmlns:p159="http://schemas.microsoft.com/office/powerpoint/2015/09/main">
+    <mc:Choice Requires="p159">
       <p:transition xmlns:p14="http://schemas.microsoft.com/office/powerpoint/2010/main" spd="slow" p14:dur="2000">
         <p159:morph option="byObject"/>
       </p:transition>
     </mc:Choice>
-    <mc:Fallback>
+    <mc:Fallback xmlns="">
       <p:transition spd="slow">
         <p:fade/>
       </p:transition>
@@ -4553,11 +4571,11 @@
   <p:clrMapOvr>
     <a:masterClrMapping/>
   </p:clrMapOvr>
-  <mc:AlternateContent xmlns:mc="http://schemas.openxmlformats.org/markup-compatibility/2006">
-    <mc:Choice xmlns:p14="http://schemas.microsoft.com/office/powerpoint/2010/main" Requires="p14">
+  <mc:AlternateContent xmlns:mc="http://schemas.openxmlformats.org/markup-compatibility/2006" xmlns:p14="http://schemas.microsoft.com/office/powerpoint/2010/main">
+    <mc:Choice Requires="p14">
       <p:transition p14:dur="0"/>
     </mc:Choice>
-    <mc:Fallback>
+    <mc:Fallback xmlns="">
       <p:transition/>
     </mc:Fallback>
   </mc:AlternateContent>
@@ -4627,13 +4645,13 @@
   <p:clrMapOvr>
     <a:masterClrMapping/>
   </p:clrMapOvr>
-  <mc:AlternateContent xmlns:mc="http://schemas.openxmlformats.org/markup-compatibility/2006">
-    <mc:Choice xmlns:p159="http://schemas.microsoft.com/office/powerpoint/2015/09/main" Requires="p159">
+  <mc:AlternateContent xmlns:mc="http://schemas.openxmlformats.org/markup-compatibility/2006" xmlns:p159="http://schemas.microsoft.com/office/powerpoint/2015/09/main">
+    <mc:Choice Requires="p159">
       <p:transition xmlns:p14="http://schemas.microsoft.com/office/powerpoint/2010/main" spd="slow" p14:dur="2000">
         <p159:morph option="byObject"/>
       </p:transition>
     </mc:Choice>
-    <mc:Fallback>
+    <mc:Fallback xmlns="">
       <p:transition spd="slow">
         <p:fade/>
       </p:transition>
@@ -4790,13 +4808,13 @@
   <p:clrMapOvr>
     <a:masterClrMapping/>
   </p:clrMapOvr>
-  <mc:AlternateContent xmlns:mc="http://schemas.openxmlformats.org/markup-compatibility/2006">
-    <mc:Choice xmlns:p159="http://schemas.microsoft.com/office/powerpoint/2015/09/main" Requires="p159">
+  <mc:AlternateContent xmlns:mc="http://schemas.openxmlformats.org/markup-compatibility/2006" xmlns:p159="http://schemas.microsoft.com/office/powerpoint/2015/09/main">
+    <mc:Choice Requires="p159">
       <p:transition xmlns:p14="http://schemas.microsoft.com/office/powerpoint/2010/main" spd="slow" p14:dur="2000">
         <p159:morph option="byObject"/>
       </p:transition>
     </mc:Choice>
-    <mc:Fallback>
+    <mc:Fallback xmlns="">
       <p:transition spd="slow">
         <p:fade/>
       </p:transition>
@@ -4904,13 +4922,1989 @@
   <p:clrMapOvr>
     <a:masterClrMapping/>
   </p:clrMapOvr>
-  <mc:AlternateContent xmlns:mc="http://schemas.openxmlformats.org/markup-compatibility/2006">
-    <mc:Choice xmlns:p159="http://schemas.microsoft.com/office/powerpoint/2015/09/main" Requires="p159">
+  <mc:AlternateContent xmlns:mc="http://schemas.openxmlformats.org/markup-compatibility/2006" xmlns:p159="http://schemas.microsoft.com/office/powerpoint/2015/09/main">
+    <mc:Choice Requires="p159">
       <p:transition xmlns:p14="http://schemas.microsoft.com/office/powerpoint/2010/main" spd="slow" p14:dur="2000">
         <p159:morph option="byObject"/>
       </p:transition>
     </mc:Choice>
-    <mc:Fallback>
+    <mc:Fallback xmlns="">
+      <p:transition spd="slow">
+        <p:fade/>
+      </p:transition>
+    </mc:Fallback>
+  </mc:AlternateContent>
+</p:sld>
+</file>
+
+<file path=ppt/slides/slide6.xml><?xml version="1.0" encoding="utf-8"?>
+<p:sld xmlns:a="http://schemas.openxmlformats.org/drawingml/2006/main" xmlns:r="http://schemas.openxmlformats.org/officeDocument/2006/relationships" xmlns:p="http://schemas.openxmlformats.org/presentationml/2006/main">
+  <p:cSld>
+    <p:spTree>
+      <p:nvGrpSpPr>
+        <p:cNvPr id="1" name=""/>
+        <p:cNvGrpSpPr/>
+        <p:nvPr/>
+      </p:nvGrpSpPr>
+      <p:grpSpPr>
+        <a:xfrm>
+          <a:off x="0" y="0"/>
+          <a:ext cx="0" cy="0"/>
+          <a:chOff x="0" y="0"/>
+          <a:chExt cx="0" cy="0"/>
+        </a:xfrm>
+      </p:grpSpPr>
+      <p:sp>
+        <p:nvSpPr>
+          <p:cNvPr id="11" name="Rectangle 10">
+            <a:extLst>
+              <a:ext uri="{FF2B5EF4-FFF2-40B4-BE49-F238E27FC236}">
+                <a16:creationId xmlns:a16="http://schemas.microsoft.com/office/drawing/2014/main" id="{8A65927F-11B8-46F2-9FF5-640C30A8CA93}"/>
+              </a:ext>
+            </a:extLst>
+          </p:cNvPr>
+          <p:cNvSpPr/>
+          <p:nvPr/>
+        </p:nvSpPr>
+        <p:spPr>
+          <a:xfrm>
+            <a:off x="1524000" y="709257"/>
+            <a:ext cx="9844216" cy="4562959"/>
+          </a:xfrm>
+          <a:prstGeom prst="rect">
+            <a:avLst/>
+          </a:prstGeom>
+          <a:solidFill>
+            <a:schemeClr val="bg1"/>
+          </a:solidFill>
+        </p:spPr>
+        <p:style>
+          <a:lnRef idx="2">
+            <a:schemeClr val="accent1">
+              <a:shade val="50000"/>
+            </a:schemeClr>
+          </a:lnRef>
+          <a:fillRef idx="1">
+            <a:schemeClr val="accent1"/>
+          </a:fillRef>
+          <a:effectRef idx="0">
+            <a:schemeClr val="accent1"/>
+          </a:effectRef>
+          <a:fontRef idx="minor">
+            <a:schemeClr val="lt1"/>
+          </a:fontRef>
+        </p:style>
+        <p:txBody>
+          <a:bodyPr rtlCol="0" anchor="ctr"/>
+          <a:lstStyle/>
+          <a:p>
+            <a:pPr algn="ctr"/>
+            <a:endParaRPr lang="en-US"/>
+          </a:p>
+        </p:txBody>
+      </p:sp>
+      <p:sp>
+        <p:nvSpPr>
+          <p:cNvPr id="3" name="Rectangle 2">
+            <a:extLst>
+              <a:ext uri="{FF2B5EF4-FFF2-40B4-BE49-F238E27FC236}">
+                <a16:creationId xmlns:a16="http://schemas.microsoft.com/office/drawing/2014/main" id="{6E7F1051-B4D2-4FFF-84C4-EFCD23AD29F2}"/>
+              </a:ext>
+            </a:extLst>
+          </p:cNvPr>
+          <p:cNvSpPr/>
+          <p:nvPr/>
+        </p:nvSpPr>
+        <p:spPr>
+          <a:xfrm>
+            <a:off x="1260388" y="370703"/>
+            <a:ext cx="10322011" cy="6341764"/>
+          </a:xfrm>
+          <a:prstGeom prst="rect">
+            <a:avLst/>
+          </a:prstGeom>
+          <a:solidFill>
+            <a:schemeClr val="bg1"/>
+          </a:solidFill>
+          <a:ln>
+            <a:solidFill>
+              <a:schemeClr val="accent1">
+                <a:lumMod val="75000"/>
+              </a:schemeClr>
+            </a:solidFill>
+          </a:ln>
+        </p:spPr>
+        <p:style>
+          <a:lnRef idx="2">
+            <a:schemeClr val="accent1">
+              <a:shade val="50000"/>
+            </a:schemeClr>
+          </a:lnRef>
+          <a:fillRef idx="1">
+            <a:schemeClr val="accent1"/>
+          </a:fillRef>
+          <a:effectRef idx="0">
+            <a:schemeClr val="accent1"/>
+          </a:effectRef>
+          <a:fontRef idx="minor">
+            <a:schemeClr val="lt1"/>
+          </a:fontRef>
+        </p:style>
+        <p:txBody>
+          <a:bodyPr rtlCol="0" anchor="ctr"/>
+          <a:lstStyle/>
+          <a:p>
+            <a:pPr algn="ctr"/>
+            <a:endParaRPr lang="en-US"/>
+          </a:p>
+        </p:txBody>
+      </p:sp>
+      <p:sp>
+        <p:nvSpPr>
+          <p:cNvPr id="5" name="TextBox 4">
+            <a:extLst>
+              <a:ext uri="{FF2B5EF4-FFF2-40B4-BE49-F238E27FC236}">
+                <a16:creationId xmlns:a16="http://schemas.microsoft.com/office/drawing/2014/main" id="{829E30B9-CE54-4744-B86E-23A3BE67D156}"/>
+              </a:ext>
+            </a:extLst>
+          </p:cNvPr>
+          <p:cNvSpPr txBox="1"/>
+          <p:nvPr/>
+        </p:nvSpPr>
+        <p:spPr>
+          <a:xfrm>
+            <a:off x="1252150" y="6373913"/>
+            <a:ext cx="10330249" cy="338554"/>
+          </a:xfrm>
+          <a:prstGeom prst="rect">
+            <a:avLst/>
+          </a:prstGeom>
+          <a:solidFill>
+            <a:schemeClr val="accent1">
+              <a:lumMod val="50000"/>
+            </a:schemeClr>
+          </a:solidFill>
+        </p:spPr>
+        <p:txBody>
+          <a:bodyPr wrap="square" rtlCol="0">
+            <a:spAutoFit/>
+          </a:bodyPr>
+          <a:lstStyle/>
+          <a:p>
+            <a:pPr algn="ctr"/>
+            <a:r>
+              <a:rPr lang="en-US" sz="1600" dirty="0">
+                <a:solidFill>
+                  <a:schemeClr val="bg1"/>
+                </a:solidFill>
+              </a:rPr>
+              <a:t>Hardware (PC)</a:t>
+            </a:r>
+          </a:p>
+        </p:txBody>
+      </p:sp>
+      <p:sp>
+        <p:nvSpPr>
+          <p:cNvPr id="6" name="TextBox 5">
+            <a:extLst>
+              <a:ext uri="{FF2B5EF4-FFF2-40B4-BE49-F238E27FC236}">
+                <a16:creationId xmlns:a16="http://schemas.microsoft.com/office/drawing/2014/main" id="{CF000907-535A-4437-9B6F-89FB0D121C26}"/>
+              </a:ext>
+            </a:extLst>
+          </p:cNvPr>
+          <p:cNvSpPr txBox="1"/>
+          <p:nvPr/>
+        </p:nvSpPr>
+        <p:spPr>
+          <a:xfrm>
+            <a:off x="1260388" y="6057899"/>
+            <a:ext cx="10330249" cy="338554"/>
+          </a:xfrm>
+          <a:prstGeom prst="rect">
+            <a:avLst/>
+          </a:prstGeom>
+          <a:solidFill>
+            <a:srgbClr val="284780"/>
+          </a:solidFill>
+        </p:spPr>
+        <p:txBody>
+          <a:bodyPr wrap="square" rtlCol="0">
+            <a:spAutoFit/>
+          </a:bodyPr>
+          <a:lstStyle/>
+          <a:p>
+            <a:pPr algn="ctr"/>
+            <a:r>
+              <a:rPr lang="en-US" sz="1600" dirty="0">
+                <a:solidFill>
+                  <a:schemeClr val="bg1"/>
+                </a:solidFill>
+              </a:rPr>
+              <a:t>Operating System (Windows 11 with WSL2)</a:t>
+            </a:r>
+          </a:p>
+        </p:txBody>
+      </p:sp>
+      <p:sp>
+        <p:nvSpPr>
+          <p:cNvPr id="7" name="TextBox 6">
+            <a:extLst>
+              <a:ext uri="{FF2B5EF4-FFF2-40B4-BE49-F238E27FC236}">
+                <a16:creationId xmlns:a16="http://schemas.microsoft.com/office/drawing/2014/main" id="{2AC4A101-B9E5-48DB-818B-D52A522017B6}"/>
+              </a:ext>
+            </a:extLst>
+          </p:cNvPr>
+          <p:cNvSpPr txBox="1"/>
+          <p:nvPr/>
+        </p:nvSpPr>
+        <p:spPr>
+          <a:xfrm>
+            <a:off x="1260388" y="5730615"/>
+            <a:ext cx="10330249" cy="338554"/>
+          </a:xfrm>
+          <a:prstGeom prst="rect">
+            <a:avLst/>
+          </a:prstGeom>
+          <a:solidFill>
+            <a:srgbClr val="345DA6"/>
+          </a:solidFill>
+        </p:spPr>
+        <p:txBody>
+          <a:bodyPr wrap="square" rtlCol="0">
+            <a:spAutoFit/>
+          </a:bodyPr>
+          <a:lstStyle/>
+          <a:p>
+            <a:pPr algn="ctr"/>
+            <a:r>
+              <a:rPr lang="en-US" sz="1600" dirty="0">
+                <a:solidFill>
+                  <a:schemeClr val="bg1"/>
+                </a:solidFill>
+              </a:rPr>
+              <a:t>Container Runtime (Docker)</a:t>
+            </a:r>
+          </a:p>
+        </p:txBody>
+      </p:sp>
+      <p:sp>
+        <p:nvSpPr>
+          <p:cNvPr id="8" name="TextBox 7">
+            <a:extLst>
+              <a:ext uri="{FF2B5EF4-FFF2-40B4-BE49-F238E27FC236}">
+                <a16:creationId xmlns:a16="http://schemas.microsoft.com/office/drawing/2014/main" id="{8C674053-E481-41E2-A8FB-BDB6A3B8E8EA}"/>
+              </a:ext>
+            </a:extLst>
+          </p:cNvPr>
+          <p:cNvSpPr txBox="1"/>
+          <p:nvPr/>
+        </p:nvSpPr>
+        <p:spPr>
+          <a:xfrm>
+            <a:off x="1260388" y="5414601"/>
+            <a:ext cx="10330249" cy="338554"/>
+          </a:xfrm>
+          <a:prstGeom prst="rect">
+            <a:avLst/>
+          </a:prstGeom>
+          <a:solidFill>
+            <a:srgbClr val="5480C8"/>
+          </a:solidFill>
+        </p:spPr>
+        <p:txBody>
+          <a:bodyPr wrap="square" rtlCol="0">
+            <a:spAutoFit/>
+          </a:bodyPr>
+          <a:lstStyle/>
+          <a:p>
+            <a:pPr algn="ctr"/>
+            <a:r>
+              <a:rPr lang="en-US" sz="1600" dirty="0">
+                <a:solidFill>
+                  <a:schemeClr val="bg1"/>
+                </a:solidFill>
+              </a:rPr>
+              <a:t>Kubernetes (Docker Desktop)</a:t>
+            </a:r>
+          </a:p>
+        </p:txBody>
+      </p:sp>
+      <p:sp>
+        <p:nvSpPr>
+          <p:cNvPr id="9" name="TextBox 8">
+            <a:extLst>
+              <a:ext uri="{FF2B5EF4-FFF2-40B4-BE49-F238E27FC236}">
+                <a16:creationId xmlns:a16="http://schemas.microsoft.com/office/drawing/2014/main" id="{4826E9CC-C33D-4F49-BD4F-11FED3CA61EB}"/>
+              </a:ext>
+            </a:extLst>
+          </p:cNvPr>
+          <p:cNvSpPr txBox="1"/>
+          <p:nvPr/>
+        </p:nvSpPr>
+        <p:spPr>
+          <a:xfrm>
+            <a:off x="5968312" y="370703"/>
+            <a:ext cx="897924" cy="338554"/>
+          </a:xfrm>
+          <a:prstGeom prst="rect">
+            <a:avLst/>
+          </a:prstGeom>
+          <a:noFill/>
+        </p:spPr>
+        <p:txBody>
+          <a:bodyPr wrap="square" rtlCol="0">
+            <a:spAutoFit/>
+          </a:bodyPr>
+          <a:lstStyle/>
+          <a:p>
+            <a:pPr algn="ctr"/>
+            <a:r>
+              <a:rPr lang="en-US" sz="1600" dirty="0"/>
+              <a:t>Cluster</a:t>
+            </a:r>
+          </a:p>
+        </p:txBody>
+      </p:sp>
+      <p:sp>
+        <p:nvSpPr>
+          <p:cNvPr id="12" name="Rectangle 11">
+            <a:extLst>
+              <a:ext uri="{FF2B5EF4-FFF2-40B4-BE49-F238E27FC236}">
+                <a16:creationId xmlns:a16="http://schemas.microsoft.com/office/drawing/2014/main" id="{91EB3AE8-D23A-4194-A217-65C8A490384A}"/>
+              </a:ext>
+            </a:extLst>
+          </p:cNvPr>
+          <p:cNvSpPr/>
+          <p:nvPr/>
+        </p:nvSpPr>
+        <p:spPr>
+          <a:xfrm>
+            <a:off x="1495166" y="693850"/>
+            <a:ext cx="9844216" cy="4621427"/>
+          </a:xfrm>
+          <a:prstGeom prst="rect">
+            <a:avLst/>
+          </a:prstGeom>
+          <a:solidFill>
+            <a:schemeClr val="bg1"/>
+          </a:solidFill>
+        </p:spPr>
+        <p:style>
+          <a:lnRef idx="2">
+            <a:schemeClr val="accent1">
+              <a:shade val="50000"/>
+            </a:schemeClr>
+          </a:lnRef>
+          <a:fillRef idx="1">
+            <a:schemeClr val="accent1"/>
+          </a:fillRef>
+          <a:effectRef idx="0">
+            <a:schemeClr val="accent1"/>
+          </a:effectRef>
+          <a:fontRef idx="minor">
+            <a:schemeClr val="lt1"/>
+          </a:fontRef>
+        </p:style>
+        <p:txBody>
+          <a:bodyPr rtlCol="0" anchor="ctr"/>
+          <a:lstStyle/>
+          <a:p>
+            <a:pPr algn="ctr"/>
+            <a:endParaRPr lang="en-US" dirty="0">
+              <a:solidFill>
+                <a:sysClr val="windowText" lastClr="000000"/>
+              </a:solidFill>
+            </a:endParaRPr>
+          </a:p>
+        </p:txBody>
+      </p:sp>
+      <p:sp>
+        <p:nvSpPr>
+          <p:cNvPr id="13" name="TextBox 12">
+            <a:extLst>
+              <a:ext uri="{FF2B5EF4-FFF2-40B4-BE49-F238E27FC236}">
+                <a16:creationId xmlns:a16="http://schemas.microsoft.com/office/drawing/2014/main" id="{24D0D60D-6DC3-418B-91E5-AA188B61AA7B}"/>
+              </a:ext>
+            </a:extLst>
+          </p:cNvPr>
+          <p:cNvSpPr txBox="1"/>
+          <p:nvPr/>
+        </p:nvSpPr>
+        <p:spPr>
+          <a:xfrm>
+            <a:off x="5976550" y="650789"/>
+            <a:ext cx="897924" cy="338554"/>
+          </a:xfrm>
+          <a:prstGeom prst="rect">
+            <a:avLst/>
+          </a:prstGeom>
+          <a:noFill/>
+        </p:spPr>
+        <p:txBody>
+          <a:bodyPr wrap="square" rtlCol="0">
+            <a:spAutoFit/>
+          </a:bodyPr>
+          <a:lstStyle/>
+          <a:p>
+            <a:pPr algn="ctr"/>
+            <a:r>
+              <a:rPr lang="en-US" sz="1600" dirty="0"/>
+              <a:t>Node</a:t>
+            </a:r>
+          </a:p>
+        </p:txBody>
+      </p:sp>
+      <p:sp>
+        <p:nvSpPr>
+          <p:cNvPr id="23" name="Rectangle 22">
+            <a:extLst>
+              <a:ext uri="{FF2B5EF4-FFF2-40B4-BE49-F238E27FC236}">
+                <a16:creationId xmlns:a16="http://schemas.microsoft.com/office/drawing/2014/main" id="{DFF94077-BEFE-4975-B81C-6067FC7427A3}"/>
+              </a:ext>
+            </a:extLst>
+          </p:cNvPr>
+          <p:cNvSpPr/>
+          <p:nvPr/>
+        </p:nvSpPr>
+        <p:spPr>
+          <a:xfrm>
+            <a:off x="7430530" y="1323643"/>
+            <a:ext cx="1569308" cy="716692"/>
+          </a:xfrm>
+          <a:prstGeom prst="rect">
+            <a:avLst/>
+          </a:prstGeom>
+          <a:solidFill>
+            <a:srgbClr val="5C84CC"/>
+          </a:solidFill>
+        </p:spPr>
+        <p:style>
+          <a:lnRef idx="2">
+            <a:schemeClr val="accent1">
+              <a:shade val="50000"/>
+            </a:schemeClr>
+          </a:lnRef>
+          <a:fillRef idx="1">
+            <a:schemeClr val="accent1"/>
+          </a:fillRef>
+          <a:effectRef idx="0">
+            <a:schemeClr val="accent1"/>
+          </a:effectRef>
+          <a:fontRef idx="minor">
+            <a:schemeClr val="lt1"/>
+          </a:fontRef>
+        </p:style>
+        <p:txBody>
+          <a:bodyPr rtlCol="0" anchor="ctr"/>
+          <a:lstStyle/>
+          <a:p>
+            <a:pPr algn="ctr"/>
+            <a:r>
+              <a:rPr lang="en-US" dirty="0" err="1"/>
+              <a:t>Server_Service</a:t>
+            </a:r>
+            <a:r>
+              <a:rPr lang="en-US" dirty="0"/>
+              <a:t> SQL Container</a:t>
+            </a:r>
+          </a:p>
+        </p:txBody>
+      </p:sp>
+      <p:sp>
+        <p:nvSpPr>
+          <p:cNvPr id="25" name="Rectangle 24">
+            <a:extLst>
+              <a:ext uri="{FF2B5EF4-FFF2-40B4-BE49-F238E27FC236}">
+                <a16:creationId xmlns:a16="http://schemas.microsoft.com/office/drawing/2014/main" id="{527C546F-D273-4B60-9568-782E2D5EB20B}"/>
+              </a:ext>
+            </a:extLst>
+          </p:cNvPr>
+          <p:cNvSpPr/>
+          <p:nvPr/>
+        </p:nvSpPr>
+        <p:spPr>
+          <a:xfrm>
+            <a:off x="7430530" y="2046407"/>
+            <a:ext cx="659028" cy="214181"/>
+          </a:xfrm>
+          <a:prstGeom prst="rect">
+            <a:avLst/>
+          </a:prstGeom>
+        </p:spPr>
+        <p:style>
+          <a:lnRef idx="2">
+            <a:schemeClr val="accent1">
+              <a:shade val="50000"/>
+            </a:schemeClr>
+          </a:lnRef>
+          <a:fillRef idx="1">
+            <a:schemeClr val="accent1"/>
+          </a:fillRef>
+          <a:effectRef idx="0">
+            <a:schemeClr val="accent1"/>
+          </a:effectRef>
+          <a:fontRef idx="minor">
+            <a:schemeClr val="lt1"/>
+          </a:fontRef>
+        </p:style>
+        <p:txBody>
+          <a:bodyPr rtlCol="0" anchor="ctr"/>
+          <a:lstStyle/>
+          <a:p>
+            <a:pPr algn="ctr"/>
+            <a:r>
+              <a:rPr lang="en-US" sz="1400" dirty="0"/>
+              <a:t>1433</a:t>
+            </a:r>
+          </a:p>
+        </p:txBody>
+      </p:sp>
+      <p:sp>
+        <p:nvSpPr>
+          <p:cNvPr id="26" name="Rectangle 25">
+            <a:extLst>
+              <a:ext uri="{FF2B5EF4-FFF2-40B4-BE49-F238E27FC236}">
+                <a16:creationId xmlns:a16="http://schemas.microsoft.com/office/drawing/2014/main" id="{EE10C5B7-A7A0-4F24-80F1-2F1108CEC856}"/>
+              </a:ext>
+            </a:extLst>
+          </p:cNvPr>
+          <p:cNvSpPr/>
+          <p:nvPr/>
+        </p:nvSpPr>
+        <p:spPr>
+          <a:xfrm>
+            <a:off x="7430530" y="2585788"/>
+            <a:ext cx="1569308" cy="234517"/>
+          </a:xfrm>
+          <a:prstGeom prst="rect">
+            <a:avLst/>
+          </a:prstGeom>
+          <a:solidFill>
+            <a:srgbClr val="DA006D"/>
+          </a:solidFill>
+        </p:spPr>
+        <p:style>
+          <a:lnRef idx="2">
+            <a:schemeClr val="accent1">
+              <a:shade val="50000"/>
+            </a:schemeClr>
+          </a:lnRef>
+          <a:fillRef idx="1">
+            <a:schemeClr val="accent1"/>
+          </a:fillRef>
+          <a:effectRef idx="0">
+            <a:schemeClr val="accent1"/>
+          </a:effectRef>
+          <a:fontRef idx="minor">
+            <a:schemeClr val="lt1"/>
+          </a:fontRef>
+        </p:style>
+        <p:txBody>
+          <a:bodyPr rtlCol="0" anchor="ctr"/>
+          <a:lstStyle/>
+          <a:p>
+            <a:pPr algn="ctr"/>
+            <a:r>
+              <a:rPr lang="en-US" sz="1400" dirty="0"/>
+              <a:t>Cluster IP</a:t>
+            </a:r>
+          </a:p>
+        </p:txBody>
+      </p:sp>
+      <p:sp>
+        <p:nvSpPr>
+          <p:cNvPr id="28" name="Rectangle 27">
+            <a:extLst>
+              <a:ext uri="{FF2B5EF4-FFF2-40B4-BE49-F238E27FC236}">
+                <a16:creationId xmlns:a16="http://schemas.microsoft.com/office/drawing/2014/main" id="{19916E46-0102-41BD-86AE-43E7FFA8EA33}"/>
+              </a:ext>
+            </a:extLst>
+          </p:cNvPr>
+          <p:cNvSpPr/>
+          <p:nvPr/>
+        </p:nvSpPr>
+        <p:spPr>
+          <a:xfrm>
+            <a:off x="7430530" y="2365535"/>
+            <a:ext cx="659028" cy="214181"/>
+          </a:xfrm>
+          <a:prstGeom prst="rect">
+            <a:avLst/>
+          </a:prstGeom>
+          <a:solidFill>
+            <a:srgbClr val="C00000"/>
+          </a:solidFill>
+        </p:spPr>
+        <p:style>
+          <a:lnRef idx="2">
+            <a:schemeClr val="accent1">
+              <a:shade val="50000"/>
+            </a:schemeClr>
+          </a:lnRef>
+          <a:fillRef idx="1">
+            <a:schemeClr val="accent1"/>
+          </a:fillRef>
+          <a:effectRef idx="0">
+            <a:schemeClr val="accent1"/>
+          </a:effectRef>
+          <a:fontRef idx="minor">
+            <a:schemeClr val="lt1"/>
+          </a:fontRef>
+        </p:style>
+        <p:txBody>
+          <a:bodyPr rtlCol="0" anchor="ctr"/>
+          <a:lstStyle/>
+          <a:p>
+            <a:pPr algn="ctr"/>
+            <a:r>
+              <a:rPr lang="en-US" sz="1400" dirty="0"/>
+              <a:t>1433</a:t>
+            </a:r>
+          </a:p>
+        </p:txBody>
+      </p:sp>
+      <p:sp>
+        <p:nvSpPr>
+          <p:cNvPr id="29" name="Rectangle 28">
+            <a:extLst>
+              <a:ext uri="{FF2B5EF4-FFF2-40B4-BE49-F238E27FC236}">
+                <a16:creationId xmlns:a16="http://schemas.microsoft.com/office/drawing/2014/main" id="{3716BF1D-5B5F-4410-8B52-568E7AC65A48}"/>
+              </a:ext>
+            </a:extLst>
+          </p:cNvPr>
+          <p:cNvSpPr/>
+          <p:nvPr/>
+        </p:nvSpPr>
+        <p:spPr>
+          <a:xfrm>
+            <a:off x="7323438" y="985006"/>
+            <a:ext cx="1767015" cy="1318961"/>
+          </a:xfrm>
+          <a:prstGeom prst="rect">
+            <a:avLst/>
+          </a:prstGeom>
+          <a:noFill/>
+        </p:spPr>
+        <p:style>
+          <a:lnRef idx="2">
+            <a:schemeClr val="accent1">
+              <a:shade val="50000"/>
+            </a:schemeClr>
+          </a:lnRef>
+          <a:fillRef idx="1">
+            <a:schemeClr val="accent1"/>
+          </a:fillRef>
+          <a:effectRef idx="0">
+            <a:schemeClr val="accent1"/>
+          </a:effectRef>
+          <a:fontRef idx="minor">
+            <a:schemeClr val="lt1"/>
+          </a:fontRef>
+        </p:style>
+        <p:txBody>
+          <a:bodyPr rtlCol="0" anchor="t"/>
+          <a:lstStyle/>
+          <a:p>
+            <a:pPr algn="ctr"/>
+            <a:r>
+              <a:rPr lang="en-US" dirty="0">
+                <a:solidFill>
+                  <a:schemeClr val="tx1"/>
+                </a:solidFill>
+              </a:rPr>
+              <a:t>Pod</a:t>
+            </a:r>
+          </a:p>
+        </p:txBody>
+      </p:sp>
+      <p:sp>
+        <p:nvSpPr>
+          <p:cNvPr id="30" name="Rectangle 29">
+            <a:extLst>
+              <a:ext uri="{FF2B5EF4-FFF2-40B4-BE49-F238E27FC236}">
+                <a16:creationId xmlns:a16="http://schemas.microsoft.com/office/drawing/2014/main" id="{4F9F7B0F-A634-40FD-82DD-9F9096E87654}"/>
+              </a:ext>
+            </a:extLst>
+          </p:cNvPr>
+          <p:cNvSpPr/>
+          <p:nvPr/>
+        </p:nvSpPr>
+        <p:spPr>
+          <a:xfrm>
+            <a:off x="9609438" y="1323643"/>
+            <a:ext cx="1458098" cy="716692"/>
+          </a:xfrm>
+          <a:prstGeom prst="rect">
+            <a:avLst/>
+          </a:prstGeom>
+          <a:solidFill>
+            <a:srgbClr val="FF9900"/>
+          </a:solidFill>
+        </p:spPr>
+        <p:style>
+          <a:lnRef idx="2">
+            <a:schemeClr val="accent1">
+              <a:shade val="50000"/>
+            </a:schemeClr>
+          </a:lnRef>
+          <a:fillRef idx="1">
+            <a:schemeClr val="accent1"/>
+          </a:fillRef>
+          <a:effectRef idx="0">
+            <a:schemeClr val="accent1"/>
+          </a:effectRef>
+          <a:fontRef idx="minor">
+            <a:schemeClr val="lt1"/>
+          </a:fontRef>
+        </p:style>
+        <p:txBody>
+          <a:bodyPr rtlCol="0" anchor="ctr"/>
+          <a:lstStyle/>
+          <a:p>
+            <a:pPr algn="ctr"/>
+            <a:r>
+              <a:rPr lang="en-US" dirty="0"/>
+              <a:t>RabbitMQ Container</a:t>
+            </a:r>
+          </a:p>
+        </p:txBody>
+      </p:sp>
+      <p:sp>
+        <p:nvSpPr>
+          <p:cNvPr id="31" name="Rectangle 30">
+            <a:extLst>
+              <a:ext uri="{FF2B5EF4-FFF2-40B4-BE49-F238E27FC236}">
+                <a16:creationId xmlns:a16="http://schemas.microsoft.com/office/drawing/2014/main" id="{FE714139-7F3E-4CE2-94B7-23B562656CC7}"/>
+              </a:ext>
+            </a:extLst>
+          </p:cNvPr>
+          <p:cNvSpPr/>
+          <p:nvPr/>
+        </p:nvSpPr>
+        <p:spPr>
+          <a:xfrm>
+            <a:off x="10408508" y="2040335"/>
+            <a:ext cx="659028" cy="214181"/>
+          </a:xfrm>
+          <a:prstGeom prst="rect">
+            <a:avLst/>
+          </a:prstGeom>
+        </p:spPr>
+        <p:style>
+          <a:lnRef idx="2">
+            <a:schemeClr val="accent1">
+              <a:shade val="50000"/>
+            </a:schemeClr>
+          </a:lnRef>
+          <a:fillRef idx="1">
+            <a:schemeClr val="accent1"/>
+          </a:fillRef>
+          <a:effectRef idx="0">
+            <a:schemeClr val="accent1"/>
+          </a:effectRef>
+          <a:fontRef idx="minor">
+            <a:schemeClr val="lt1"/>
+          </a:fontRef>
+        </p:style>
+        <p:txBody>
+          <a:bodyPr rtlCol="0" anchor="ctr"/>
+          <a:lstStyle/>
+          <a:p>
+            <a:pPr algn="ctr"/>
+            <a:r>
+              <a:rPr lang="en-US" sz="1400" dirty="0"/>
+              <a:t>15672</a:t>
+            </a:r>
+          </a:p>
+        </p:txBody>
+      </p:sp>
+      <p:sp>
+        <p:nvSpPr>
+          <p:cNvPr id="32" name="Rectangle 31">
+            <a:extLst>
+              <a:ext uri="{FF2B5EF4-FFF2-40B4-BE49-F238E27FC236}">
+                <a16:creationId xmlns:a16="http://schemas.microsoft.com/office/drawing/2014/main" id="{17DFD07E-5B0B-4E3C-A2BC-5DFD1DA507DE}"/>
+              </a:ext>
+            </a:extLst>
+          </p:cNvPr>
+          <p:cNvSpPr/>
+          <p:nvPr/>
+        </p:nvSpPr>
+        <p:spPr>
+          <a:xfrm>
+            <a:off x="9609438" y="2040334"/>
+            <a:ext cx="659028" cy="214181"/>
+          </a:xfrm>
+          <a:prstGeom prst="rect">
+            <a:avLst/>
+          </a:prstGeom>
+        </p:spPr>
+        <p:style>
+          <a:lnRef idx="2">
+            <a:schemeClr val="accent1">
+              <a:shade val="50000"/>
+            </a:schemeClr>
+          </a:lnRef>
+          <a:fillRef idx="1">
+            <a:schemeClr val="accent1"/>
+          </a:fillRef>
+          <a:effectRef idx="0">
+            <a:schemeClr val="accent1"/>
+          </a:effectRef>
+          <a:fontRef idx="minor">
+            <a:schemeClr val="lt1"/>
+          </a:fontRef>
+        </p:style>
+        <p:txBody>
+          <a:bodyPr rtlCol="0" anchor="ctr"/>
+          <a:lstStyle/>
+          <a:p>
+            <a:pPr algn="ctr"/>
+            <a:r>
+              <a:rPr lang="en-US" sz="1400" dirty="0"/>
+              <a:t>5672</a:t>
+            </a:r>
+          </a:p>
+        </p:txBody>
+      </p:sp>
+      <p:sp>
+        <p:nvSpPr>
+          <p:cNvPr id="33" name="Rectangle 32">
+            <a:extLst>
+              <a:ext uri="{FF2B5EF4-FFF2-40B4-BE49-F238E27FC236}">
+                <a16:creationId xmlns:a16="http://schemas.microsoft.com/office/drawing/2014/main" id="{35AF77C6-6D55-4B26-B5C0-7F613EC46B3A}"/>
+              </a:ext>
+            </a:extLst>
+          </p:cNvPr>
+          <p:cNvSpPr/>
+          <p:nvPr/>
+        </p:nvSpPr>
+        <p:spPr>
+          <a:xfrm>
+            <a:off x="9609438" y="2585788"/>
+            <a:ext cx="1458098" cy="234517"/>
+          </a:xfrm>
+          <a:prstGeom prst="rect">
+            <a:avLst/>
+          </a:prstGeom>
+          <a:solidFill>
+            <a:srgbClr val="DA006D"/>
+          </a:solidFill>
+        </p:spPr>
+        <p:style>
+          <a:lnRef idx="2">
+            <a:schemeClr val="accent1">
+              <a:shade val="50000"/>
+            </a:schemeClr>
+          </a:lnRef>
+          <a:fillRef idx="1">
+            <a:schemeClr val="accent1"/>
+          </a:fillRef>
+          <a:effectRef idx="0">
+            <a:schemeClr val="accent1"/>
+          </a:effectRef>
+          <a:fontRef idx="minor">
+            <a:schemeClr val="lt1"/>
+          </a:fontRef>
+        </p:style>
+        <p:txBody>
+          <a:bodyPr rtlCol="0" anchor="ctr"/>
+          <a:lstStyle/>
+          <a:p>
+            <a:pPr algn="ctr"/>
+            <a:r>
+              <a:rPr lang="en-US" sz="1400" dirty="0"/>
+              <a:t>Cluster IP</a:t>
+            </a:r>
+          </a:p>
+        </p:txBody>
+      </p:sp>
+      <p:sp>
+        <p:nvSpPr>
+          <p:cNvPr id="34" name="Rectangle 33">
+            <a:extLst>
+              <a:ext uri="{FF2B5EF4-FFF2-40B4-BE49-F238E27FC236}">
+                <a16:creationId xmlns:a16="http://schemas.microsoft.com/office/drawing/2014/main" id="{FF057657-CF31-443F-BC44-23E18346B7CF}"/>
+              </a:ext>
+            </a:extLst>
+          </p:cNvPr>
+          <p:cNvSpPr/>
+          <p:nvPr/>
+        </p:nvSpPr>
+        <p:spPr>
+          <a:xfrm>
+            <a:off x="10408508" y="2371606"/>
+            <a:ext cx="659028" cy="214181"/>
+          </a:xfrm>
+          <a:prstGeom prst="rect">
+            <a:avLst/>
+          </a:prstGeom>
+          <a:solidFill>
+            <a:srgbClr val="C00000"/>
+          </a:solidFill>
+        </p:spPr>
+        <p:style>
+          <a:lnRef idx="2">
+            <a:schemeClr val="accent1">
+              <a:shade val="50000"/>
+            </a:schemeClr>
+          </a:lnRef>
+          <a:fillRef idx="1">
+            <a:schemeClr val="accent1"/>
+          </a:fillRef>
+          <a:effectRef idx="0">
+            <a:schemeClr val="accent1"/>
+          </a:effectRef>
+          <a:fontRef idx="minor">
+            <a:schemeClr val="lt1"/>
+          </a:fontRef>
+        </p:style>
+        <p:txBody>
+          <a:bodyPr rtlCol="0" anchor="ctr"/>
+          <a:lstStyle/>
+          <a:p>
+            <a:pPr algn="ctr"/>
+            <a:r>
+              <a:rPr lang="en-US" sz="1400" dirty="0"/>
+              <a:t>15672</a:t>
+            </a:r>
+          </a:p>
+        </p:txBody>
+      </p:sp>
+      <p:sp>
+        <p:nvSpPr>
+          <p:cNvPr id="35" name="Rectangle 34">
+            <a:extLst>
+              <a:ext uri="{FF2B5EF4-FFF2-40B4-BE49-F238E27FC236}">
+                <a16:creationId xmlns:a16="http://schemas.microsoft.com/office/drawing/2014/main" id="{45CDB3CB-84EE-4BEA-A5A8-2EC91FBDD78B}"/>
+              </a:ext>
+            </a:extLst>
+          </p:cNvPr>
+          <p:cNvSpPr/>
+          <p:nvPr/>
+        </p:nvSpPr>
+        <p:spPr>
+          <a:xfrm>
+            <a:off x="9609438" y="2371607"/>
+            <a:ext cx="659028" cy="214181"/>
+          </a:xfrm>
+          <a:prstGeom prst="rect">
+            <a:avLst/>
+          </a:prstGeom>
+          <a:solidFill>
+            <a:srgbClr val="C00000"/>
+          </a:solidFill>
+        </p:spPr>
+        <p:style>
+          <a:lnRef idx="2">
+            <a:schemeClr val="accent1">
+              <a:shade val="50000"/>
+            </a:schemeClr>
+          </a:lnRef>
+          <a:fillRef idx="1">
+            <a:schemeClr val="accent1"/>
+          </a:fillRef>
+          <a:effectRef idx="0">
+            <a:schemeClr val="accent1"/>
+          </a:effectRef>
+          <a:fontRef idx="minor">
+            <a:schemeClr val="lt1"/>
+          </a:fontRef>
+        </p:style>
+        <p:txBody>
+          <a:bodyPr rtlCol="0" anchor="ctr"/>
+          <a:lstStyle/>
+          <a:p>
+            <a:pPr algn="ctr"/>
+            <a:r>
+              <a:rPr lang="en-US" sz="1400" dirty="0"/>
+              <a:t>15672</a:t>
+            </a:r>
+          </a:p>
+        </p:txBody>
+      </p:sp>
+      <p:sp>
+        <p:nvSpPr>
+          <p:cNvPr id="36" name="Rectangle 35">
+            <a:extLst>
+              <a:ext uri="{FF2B5EF4-FFF2-40B4-BE49-F238E27FC236}">
+                <a16:creationId xmlns:a16="http://schemas.microsoft.com/office/drawing/2014/main" id="{0F68D03B-12B6-4E47-AB57-849AF6E2C39C}"/>
+              </a:ext>
+            </a:extLst>
+          </p:cNvPr>
+          <p:cNvSpPr/>
+          <p:nvPr/>
+        </p:nvSpPr>
+        <p:spPr>
+          <a:xfrm>
+            <a:off x="9527059" y="985006"/>
+            <a:ext cx="1631092" cy="1318961"/>
+          </a:xfrm>
+          <a:prstGeom prst="rect">
+            <a:avLst/>
+          </a:prstGeom>
+          <a:noFill/>
+        </p:spPr>
+        <p:style>
+          <a:lnRef idx="2">
+            <a:schemeClr val="accent1">
+              <a:shade val="50000"/>
+            </a:schemeClr>
+          </a:lnRef>
+          <a:fillRef idx="1">
+            <a:schemeClr val="accent1"/>
+          </a:fillRef>
+          <a:effectRef idx="0">
+            <a:schemeClr val="accent1"/>
+          </a:effectRef>
+          <a:fontRef idx="minor">
+            <a:schemeClr val="lt1"/>
+          </a:fontRef>
+        </p:style>
+        <p:txBody>
+          <a:bodyPr rtlCol="0" anchor="t"/>
+          <a:lstStyle/>
+          <a:p>
+            <a:pPr algn="ctr"/>
+            <a:r>
+              <a:rPr lang="en-US" dirty="0">
+                <a:solidFill>
+                  <a:schemeClr val="tx1"/>
+                </a:solidFill>
+              </a:rPr>
+              <a:t>Pod</a:t>
+            </a:r>
+          </a:p>
+        </p:txBody>
+      </p:sp>
+      <p:cxnSp>
+        <p:nvCxnSpPr>
+          <p:cNvPr id="38" name="Straight Arrow Connector 37">
+            <a:extLst>
+              <a:ext uri="{FF2B5EF4-FFF2-40B4-BE49-F238E27FC236}">
+                <a16:creationId xmlns:a16="http://schemas.microsoft.com/office/drawing/2014/main" id="{047E79F6-A545-4621-A8CC-E6786D272144}"/>
+              </a:ext>
+            </a:extLst>
+          </p:cNvPr>
+          <p:cNvCxnSpPr>
+            <a:cxnSpLocks/>
+            <a:stCxn id="26" idx="3"/>
+            <a:endCxn id="33" idx="1"/>
+          </p:cNvCxnSpPr>
+          <p:nvPr/>
+        </p:nvCxnSpPr>
+        <p:spPr>
+          <a:xfrm>
+            <a:off x="8999838" y="2703047"/>
+            <a:ext cx="609600" cy="0"/>
+          </a:xfrm>
+          <a:prstGeom prst="straightConnector1">
+            <a:avLst/>
+          </a:prstGeom>
+          <a:ln>
+            <a:solidFill>
+              <a:srgbClr val="DA006D"/>
+            </a:solidFill>
+            <a:headEnd type="triangle"/>
+            <a:tailEnd type="triangle"/>
+          </a:ln>
+        </p:spPr>
+        <p:style>
+          <a:lnRef idx="3">
+            <a:schemeClr val="accent1"/>
+          </a:lnRef>
+          <a:fillRef idx="0">
+            <a:schemeClr val="accent1"/>
+          </a:fillRef>
+          <a:effectRef idx="2">
+            <a:schemeClr val="accent1"/>
+          </a:effectRef>
+          <a:fontRef idx="minor">
+            <a:schemeClr val="tx1"/>
+          </a:fontRef>
+        </p:style>
+      </p:cxnSp>
+      <p:sp>
+        <p:nvSpPr>
+          <p:cNvPr id="40" name="Rectangle 39">
+            <a:extLst>
+              <a:ext uri="{FF2B5EF4-FFF2-40B4-BE49-F238E27FC236}">
+                <a16:creationId xmlns:a16="http://schemas.microsoft.com/office/drawing/2014/main" id="{553C8D80-822A-4269-AB1E-928ED8D94940}"/>
+              </a:ext>
+            </a:extLst>
+          </p:cNvPr>
+          <p:cNvSpPr/>
+          <p:nvPr/>
+        </p:nvSpPr>
+        <p:spPr>
+          <a:xfrm>
+            <a:off x="5158943" y="1323643"/>
+            <a:ext cx="1569308" cy="716692"/>
+          </a:xfrm>
+          <a:prstGeom prst="rect">
+            <a:avLst/>
+          </a:prstGeom>
+          <a:solidFill>
+            <a:srgbClr val="5C84CC"/>
+          </a:solidFill>
+        </p:spPr>
+        <p:style>
+          <a:lnRef idx="2">
+            <a:schemeClr val="accent1">
+              <a:shade val="50000"/>
+            </a:schemeClr>
+          </a:lnRef>
+          <a:fillRef idx="1">
+            <a:schemeClr val="accent1"/>
+          </a:fillRef>
+          <a:effectRef idx="0">
+            <a:schemeClr val="accent1"/>
+          </a:effectRef>
+          <a:fontRef idx="minor">
+            <a:schemeClr val="lt1"/>
+          </a:fontRef>
+        </p:style>
+        <p:txBody>
+          <a:bodyPr rtlCol="0" anchor="ctr"/>
+          <a:lstStyle/>
+          <a:p>
+            <a:pPr algn="ctr"/>
+            <a:r>
+              <a:rPr lang="en-US" dirty="0" err="1"/>
+              <a:t>Server_Service</a:t>
+            </a:r>
+            <a:r>
+              <a:rPr lang="en-US" dirty="0"/>
+              <a:t> Container</a:t>
+            </a:r>
+          </a:p>
+        </p:txBody>
+      </p:sp>
+      <p:sp>
+        <p:nvSpPr>
+          <p:cNvPr id="41" name="Rectangle 40">
+            <a:extLst>
+              <a:ext uri="{FF2B5EF4-FFF2-40B4-BE49-F238E27FC236}">
+                <a16:creationId xmlns:a16="http://schemas.microsoft.com/office/drawing/2014/main" id="{459360D9-A056-45A5-AC05-42576763ECB9}"/>
+              </a:ext>
+            </a:extLst>
+          </p:cNvPr>
+          <p:cNvSpPr/>
+          <p:nvPr/>
+        </p:nvSpPr>
+        <p:spPr>
+          <a:xfrm>
+            <a:off x="5158943" y="2046407"/>
+            <a:ext cx="659028" cy="214181"/>
+          </a:xfrm>
+          <a:prstGeom prst="rect">
+            <a:avLst/>
+          </a:prstGeom>
+        </p:spPr>
+        <p:style>
+          <a:lnRef idx="2">
+            <a:schemeClr val="accent1">
+              <a:shade val="50000"/>
+            </a:schemeClr>
+          </a:lnRef>
+          <a:fillRef idx="1">
+            <a:schemeClr val="accent1"/>
+          </a:fillRef>
+          <a:effectRef idx="0">
+            <a:schemeClr val="accent1"/>
+          </a:effectRef>
+          <a:fontRef idx="minor">
+            <a:schemeClr val="lt1"/>
+          </a:fontRef>
+        </p:style>
+        <p:txBody>
+          <a:bodyPr rtlCol="0" anchor="ctr"/>
+          <a:lstStyle/>
+          <a:p>
+            <a:pPr algn="ctr"/>
+            <a:r>
+              <a:rPr lang="en-US" sz="1400" dirty="0"/>
+              <a:t>80</a:t>
+            </a:r>
+          </a:p>
+        </p:txBody>
+      </p:sp>
+      <p:sp>
+        <p:nvSpPr>
+          <p:cNvPr id="42" name="Rectangle 41">
+            <a:extLst>
+              <a:ext uri="{FF2B5EF4-FFF2-40B4-BE49-F238E27FC236}">
+                <a16:creationId xmlns:a16="http://schemas.microsoft.com/office/drawing/2014/main" id="{5A6F8841-9A0C-4428-8A41-6F97996C799F}"/>
+              </a:ext>
+            </a:extLst>
+          </p:cNvPr>
+          <p:cNvSpPr/>
+          <p:nvPr/>
+        </p:nvSpPr>
+        <p:spPr>
+          <a:xfrm>
+            <a:off x="5158943" y="2585788"/>
+            <a:ext cx="1569308" cy="234517"/>
+          </a:xfrm>
+          <a:prstGeom prst="rect">
+            <a:avLst/>
+          </a:prstGeom>
+          <a:solidFill>
+            <a:srgbClr val="DA006D"/>
+          </a:solidFill>
+        </p:spPr>
+        <p:style>
+          <a:lnRef idx="2">
+            <a:schemeClr val="accent1">
+              <a:shade val="50000"/>
+            </a:schemeClr>
+          </a:lnRef>
+          <a:fillRef idx="1">
+            <a:schemeClr val="accent1"/>
+          </a:fillRef>
+          <a:effectRef idx="0">
+            <a:schemeClr val="accent1"/>
+          </a:effectRef>
+          <a:fontRef idx="minor">
+            <a:schemeClr val="lt1"/>
+          </a:fontRef>
+        </p:style>
+        <p:txBody>
+          <a:bodyPr rtlCol="0" anchor="ctr"/>
+          <a:lstStyle/>
+          <a:p>
+            <a:pPr algn="ctr"/>
+            <a:r>
+              <a:rPr lang="en-US" sz="1400" dirty="0"/>
+              <a:t>Cluster IP</a:t>
+            </a:r>
+          </a:p>
+        </p:txBody>
+      </p:sp>
+      <p:sp>
+        <p:nvSpPr>
+          <p:cNvPr id="43" name="Rectangle 42">
+            <a:extLst>
+              <a:ext uri="{FF2B5EF4-FFF2-40B4-BE49-F238E27FC236}">
+                <a16:creationId xmlns:a16="http://schemas.microsoft.com/office/drawing/2014/main" id="{D19C614C-245C-48E7-AA61-5C03B19936E8}"/>
+              </a:ext>
+            </a:extLst>
+          </p:cNvPr>
+          <p:cNvSpPr/>
+          <p:nvPr/>
+        </p:nvSpPr>
+        <p:spPr>
+          <a:xfrm>
+            <a:off x="5158943" y="2365535"/>
+            <a:ext cx="659028" cy="214181"/>
+          </a:xfrm>
+          <a:prstGeom prst="rect">
+            <a:avLst/>
+          </a:prstGeom>
+          <a:solidFill>
+            <a:srgbClr val="C00000"/>
+          </a:solidFill>
+        </p:spPr>
+        <p:style>
+          <a:lnRef idx="2">
+            <a:schemeClr val="accent1">
+              <a:shade val="50000"/>
+            </a:schemeClr>
+          </a:lnRef>
+          <a:fillRef idx="1">
+            <a:schemeClr val="accent1"/>
+          </a:fillRef>
+          <a:effectRef idx="0">
+            <a:schemeClr val="accent1"/>
+          </a:effectRef>
+          <a:fontRef idx="minor">
+            <a:schemeClr val="lt1"/>
+          </a:fontRef>
+        </p:style>
+        <p:txBody>
+          <a:bodyPr rtlCol="0" anchor="ctr"/>
+          <a:lstStyle/>
+          <a:p>
+            <a:pPr algn="ctr"/>
+            <a:r>
+              <a:rPr lang="en-US" sz="1400" dirty="0"/>
+              <a:t>80</a:t>
+            </a:r>
+          </a:p>
+        </p:txBody>
+      </p:sp>
+      <p:sp>
+        <p:nvSpPr>
+          <p:cNvPr id="44" name="Rectangle 43">
+            <a:extLst>
+              <a:ext uri="{FF2B5EF4-FFF2-40B4-BE49-F238E27FC236}">
+                <a16:creationId xmlns:a16="http://schemas.microsoft.com/office/drawing/2014/main" id="{8383112E-4543-46D1-BD56-216FA83AC31D}"/>
+              </a:ext>
+            </a:extLst>
+          </p:cNvPr>
+          <p:cNvSpPr/>
+          <p:nvPr/>
+        </p:nvSpPr>
+        <p:spPr>
+          <a:xfrm>
+            <a:off x="5051851" y="985006"/>
+            <a:ext cx="1767015" cy="1318961"/>
+          </a:xfrm>
+          <a:prstGeom prst="rect">
+            <a:avLst/>
+          </a:prstGeom>
+          <a:noFill/>
+        </p:spPr>
+        <p:style>
+          <a:lnRef idx="2">
+            <a:schemeClr val="accent1">
+              <a:shade val="50000"/>
+            </a:schemeClr>
+          </a:lnRef>
+          <a:fillRef idx="1">
+            <a:schemeClr val="accent1"/>
+          </a:fillRef>
+          <a:effectRef idx="0">
+            <a:schemeClr val="accent1"/>
+          </a:effectRef>
+          <a:fontRef idx="minor">
+            <a:schemeClr val="lt1"/>
+          </a:fontRef>
+        </p:style>
+        <p:txBody>
+          <a:bodyPr rtlCol="0" anchor="t"/>
+          <a:lstStyle/>
+          <a:p>
+            <a:pPr algn="ctr"/>
+            <a:r>
+              <a:rPr lang="en-US" dirty="0">
+                <a:solidFill>
+                  <a:schemeClr val="tx1"/>
+                </a:solidFill>
+              </a:rPr>
+              <a:t>Pod</a:t>
+            </a:r>
+          </a:p>
+        </p:txBody>
+      </p:sp>
+      <p:cxnSp>
+        <p:nvCxnSpPr>
+          <p:cNvPr id="45" name="Straight Arrow Connector 44">
+            <a:extLst>
+              <a:ext uri="{FF2B5EF4-FFF2-40B4-BE49-F238E27FC236}">
+                <a16:creationId xmlns:a16="http://schemas.microsoft.com/office/drawing/2014/main" id="{50EC4A47-D57E-4B55-B159-1948DB9021D7}"/>
+              </a:ext>
+            </a:extLst>
+          </p:cNvPr>
+          <p:cNvCxnSpPr>
+            <a:cxnSpLocks/>
+          </p:cNvCxnSpPr>
+          <p:nvPr/>
+        </p:nvCxnSpPr>
+        <p:spPr>
+          <a:xfrm flipV="1">
+            <a:off x="6728251" y="2699964"/>
+            <a:ext cx="700215" cy="3082"/>
+          </a:xfrm>
+          <a:prstGeom prst="straightConnector1">
+            <a:avLst/>
+          </a:prstGeom>
+          <a:ln>
+            <a:solidFill>
+              <a:srgbClr val="DA006D"/>
+            </a:solidFill>
+            <a:headEnd type="triangle"/>
+            <a:tailEnd type="triangle"/>
+          </a:ln>
+        </p:spPr>
+        <p:style>
+          <a:lnRef idx="3">
+            <a:schemeClr val="accent1"/>
+          </a:lnRef>
+          <a:fillRef idx="0">
+            <a:schemeClr val="accent1"/>
+          </a:fillRef>
+          <a:effectRef idx="2">
+            <a:schemeClr val="accent1"/>
+          </a:effectRef>
+          <a:fontRef idx="minor">
+            <a:schemeClr val="tx1"/>
+          </a:fontRef>
+        </p:style>
+      </p:cxnSp>
+      <p:sp>
+        <p:nvSpPr>
+          <p:cNvPr id="47" name="Rectangle 46">
+            <a:extLst>
+              <a:ext uri="{FF2B5EF4-FFF2-40B4-BE49-F238E27FC236}">
+                <a16:creationId xmlns:a16="http://schemas.microsoft.com/office/drawing/2014/main" id="{87B14261-C503-4625-A068-8110848DDEA3}"/>
+              </a:ext>
+            </a:extLst>
+          </p:cNvPr>
+          <p:cNvSpPr/>
+          <p:nvPr/>
+        </p:nvSpPr>
+        <p:spPr>
+          <a:xfrm>
+            <a:off x="5051851" y="3650365"/>
+            <a:ext cx="1664045" cy="716692"/>
+          </a:xfrm>
+          <a:prstGeom prst="rect">
+            <a:avLst/>
+          </a:prstGeom>
+          <a:solidFill>
+            <a:srgbClr val="5C84CC"/>
+          </a:solidFill>
+        </p:spPr>
+        <p:style>
+          <a:lnRef idx="2">
+            <a:schemeClr val="accent1">
+              <a:shade val="50000"/>
+            </a:schemeClr>
+          </a:lnRef>
+          <a:fillRef idx="1">
+            <a:schemeClr val="accent1"/>
+          </a:fillRef>
+          <a:effectRef idx="0">
+            <a:schemeClr val="accent1"/>
+          </a:effectRef>
+          <a:fontRef idx="minor">
+            <a:schemeClr val="lt1"/>
+          </a:fontRef>
+        </p:style>
+        <p:txBody>
+          <a:bodyPr rtlCol="0" anchor="ctr"/>
+          <a:lstStyle/>
+          <a:p>
+            <a:pPr algn="ctr"/>
+            <a:r>
+              <a:rPr lang="en-US" dirty="0" err="1"/>
+              <a:t>Search_Service</a:t>
+            </a:r>
+            <a:r>
+              <a:rPr lang="en-US" dirty="0"/>
+              <a:t> Container</a:t>
+            </a:r>
+          </a:p>
+        </p:txBody>
+      </p:sp>
+      <p:sp>
+        <p:nvSpPr>
+          <p:cNvPr id="48" name="Rectangle 47">
+            <a:extLst>
+              <a:ext uri="{FF2B5EF4-FFF2-40B4-BE49-F238E27FC236}">
+                <a16:creationId xmlns:a16="http://schemas.microsoft.com/office/drawing/2014/main" id="{92DE2EAF-80BB-4E60-A4AC-3E0DAB6DB113}"/>
+              </a:ext>
+            </a:extLst>
+          </p:cNvPr>
+          <p:cNvSpPr/>
+          <p:nvPr/>
+        </p:nvSpPr>
+        <p:spPr>
+          <a:xfrm>
+            <a:off x="5051851" y="4373129"/>
+            <a:ext cx="659028" cy="214181"/>
+          </a:xfrm>
+          <a:prstGeom prst="rect">
+            <a:avLst/>
+          </a:prstGeom>
+        </p:spPr>
+        <p:style>
+          <a:lnRef idx="2">
+            <a:schemeClr val="accent1">
+              <a:shade val="50000"/>
+            </a:schemeClr>
+          </a:lnRef>
+          <a:fillRef idx="1">
+            <a:schemeClr val="accent1"/>
+          </a:fillRef>
+          <a:effectRef idx="0">
+            <a:schemeClr val="accent1"/>
+          </a:effectRef>
+          <a:fontRef idx="minor">
+            <a:schemeClr val="lt1"/>
+          </a:fontRef>
+        </p:style>
+        <p:txBody>
+          <a:bodyPr rtlCol="0" anchor="ctr"/>
+          <a:lstStyle/>
+          <a:p>
+            <a:pPr algn="ctr"/>
+            <a:r>
+              <a:rPr lang="en-US" sz="1400" dirty="0"/>
+              <a:t>80</a:t>
+            </a:r>
+          </a:p>
+        </p:txBody>
+      </p:sp>
+      <p:sp>
+        <p:nvSpPr>
+          <p:cNvPr id="49" name="Rectangle 48">
+            <a:extLst>
+              <a:ext uri="{FF2B5EF4-FFF2-40B4-BE49-F238E27FC236}">
+                <a16:creationId xmlns:a16="http://schemas.microsoft.com/office/drawing/2014/main" id="{F2C37FC4-70BC-476F-AE9F-9327DCF22FCD}"/>
+              </a:ext>
+            </a:extLst>
+          </p:cNvPr>
+          <p:cNvSpPr/>
+          <p:nvPr/>
+        </p:nvSpPr>
+        <p:spPr>
+          <a:xfrm>
+            <a:off x="5064206" y="4973262"/>
+            <a:ext cx="1664045" cy="193191"/>
+          </a:xfrm>
+          <a:prstGeom prst="rect">
+            <a:avLst/>
+          </a:prstGeom>
+          <a:solidFill>
+            <a:srgbClr val="DA006D"/>
+          </a:solidFill>
+        </p:spPr>
+        <p:style>
+          <a:lnRef idx="2">
+            <a:schemeClr val="accent1">
+              <a:shade val="50000"/>
+            </a:schemeClr>
+          </a:lnRef>
+          <a:fillRef idx="1">
+            <a:schemeClr val="accent1"/>
+          </a:fillRef>
+          <a:effectRef idx="0">
+            <a:schemeClr val="accent1"/>
+          </a:effectRef>
+          <a:fontRef idx="minor">
+            <a:schemeClr val="lt1"/>
+          </a:fontRef>
+        </p:style>
+        <p:txBody>
+          <a:bodyPr rtlCol="0" anchor="ctr"/>
+          <a:lstStyle/>
+          <a:p>
+            <a:pPr algn="ctr"/>
+            <a:r>
+              <a:rPr lang="en-US" sz="1400" dirty="0"/>
+              <a:t>Cluster IP</a:t>
+            </a:r>
+          </a:p>
+        </p:txBody>
+      </p:sp>
+      <p:sp>
+        <p:nvSpPr>
+          <p:cNvPr id="50" name="Rectangle 49">
+            <a:extLst>
+              <a:ext uri="{FF2B5EF4-FFF2-40B4-BE49-F238E27FC236}">
+                <a16:creationId xmlns:a16="http://schemas.microsoft.com/office/drawing/2014/main" id="{D0BBBA19-3064-4866-9676-2AAEF16CF7CA}"/>
+              </a:ext>
+            </a:extLst>
+          </p:cNvPr>
+          <p:cNvSpPr/>
+          <p:nvPr/>
+        </p:nvSpPr>
+        <p:spPr>
+          <a:xfrm>
+            <a:off x="5064206" y="4773074"/>
+            <a:ext cx="646673" cy="193307"/>
+          </a:xfrm>
+          <a:prstGeom prst="rect">
+            <a:avLst/>
+          </a:prstGeom>
+          <a:solidFill>
+            <a:srgbClr val="C00000"/>
+          </a:solidFill>
+        </p:spPr>
+        <p:style>
+          <a:lnRef idx="2">
+            <a:schemeClr val="accent1">
+              <a:shade val="50000"/>
+            </a:schemeClr>
+          </a:lnRef>
+          <a:fillRef idx="1">
+            <a:schemeClr val="accent1"/>
+          </a:fillRef>
+          <a:effectRef idx="0">
+            <a:schemeClr val="accent1"/>
+          </a:effectRef>
+          <a:fontRef idx="minor">
+            <a:schemeClr val="lt1"/>
+          </a:fontRef>
+        </p:style>
+        <p:txBody>
+          <a:bodyPr rtlCol="0" anchor="ctr"/>
+          <a:lstStyle/>
+          <a:p>
+            <a:pPr algn="ctr"/>
+            <a:r>
+              <a:rPr lang="en-US" sz="1400" dirty="0"/>
+              <a:t>80</a:t>
+            </a:r>
+          </a:p>
+        </p:txBody>
+      </p:sp>
+      <p:sp>
+        <p:nvSpPr>
+          <p:cNvPr id="51" name="Rectangle 50">
+            <a:extLst>
+              <a:ext uri="{FF2B5EF4-FFF2-40B4-BE49-F238E27FC236}">
+                <a16:creationId xmlns:a16="http://schemas.microsoft.com/office/drawing/2014/main" id="{3268D56F-92A4-4EEB-9849-B86559524EF3}"/>
+              </a:ext>
+            </a:extLst>
+          </p:cNvPr>
+          <p:cNvSpPr/>
+          <p:nvPr/>
+        </p:nvSpPr>
+        <p:spPr>
+          <a:xfrm>
+            <a:off x="4967416" y="3311728"/>
+            <a:ext cx="1839095" cy="1318961"/>
+          </a:xfrm>
+          <a:prstGeom prst="rect">
+            <a:avLst/>
+          </a:prstGeom>
+          <a:noFill/>
+        </p:spPr>
+        <p:style>
+          <a:lnRef idx="2">
+            <a:schemeClr val="accent1">
+              <a:shade val="50000"/>
+            </a:schemeClr>
+          </a:lnRef>
+          <a:fillRef idx="1">
+            <a:schemeClr val="accent1"/>
+          </a:fillRef>
+          <a:effectRef idx="0">
+            <a:schemeClr val="accent1"/>
+          </a:effectRef>
+          <a:fontRef idx="minor">
+            <a:schemeClr val="lt1"/>
+          </a:fontRef>
+        </p:style>
+        <p:txBody>
+          <a:bodyPr rtlCol="0" anchor="t"/>
+          <a:lstStyle/>
+          <a:p>
+            <a:pPr algn="ctr"/>
+            <a:r>
+              <a:rPr lang="en-US" dirty="0">
+                <a:solidFill>
+                  <a:schemeClr val="tx1"/>
+                </a:solidFill>
+              </a:rPr>
+              <a:t>Pod</a:t>
+            </a:r>
+          </a:p>
+        </p:txBody>
+      </p:sp>
+      <p:cxnSp>
+        <p:nvCxnSpPr>
+          <p:cNvPr id="53" name="Connector: Elbow 52">
+            <a:extLst>
+              <a:ext uri="{FF2B5EF4-FFF2-40B4-BE49-F238E27FC236}">
+                <a16:creationId xmlns:a16="http://schemas.microsoft.com/office/drawing/2014/main" id="{51D6EA77-2F34-4208-BC3F-29A8922B1E7F}"/>
+              </a:ext>
+            </a:extLst>
+          </p:cNvPr>
+          <p:cNvCxnSpPr>
+            <a:cxnSpLocks/>
+            <a:stCxn id="49" idx="3"/>
+          </p:cNvCxnSpPr>
+          <p:nvPr/>
+        </p:nvCxnSpPr>
+        <p:spPr>
+          <a:xfrm flipV="1">
+            <a:off x="6728251" y="2703046"/>
+            <a:ext cx="372765" cy="2366812"/>
+          </a:xfrm>
+          <a:prstGeom prst="bentConnector2">
+            <a:avLst/>
+          </a:prstGeom>
+          <a:ln>
+            <a:solidFill>
+              <a:srgbClr val="DA006D"/>
+            </a:solidFill>
+            <a:headEnd type="triangle"/>
+            <a:tailEnd type="triangle"/>
+          </a:ln>
+        </p:spPr>
+        <p:style>
+          <a:lnRef idx="3">
+            <a:schemeClr val="accent1"/>
+          </a:lnRef>
+          <a:fillRef idx="0">
+            <a:schemeClr val="accent1"/>
+          </a:fillRef>
+          <a:effectRef idx="2">
+            <a:schemeClr val="accent1"/>
+          </a:effectRef>
+          <a:fontRef idx="minor">
+            <a:schemeClr val="tx1"/>
+          </a:fontRef>
+        </p:style>
+      </p:cxnSp>
+      <p:sp>
+        <p:nvSpPr>
+          <p:cNvPr id="56" name="Rectangle 55">
+            <a:extLst>
+              <a:ext uri="{FF2B5EF4-FFF2-40B4-BE49-F238E27FC236}">
+                <a16:creationId xmlns:a16="http://schemas.microsoft.com/office/drawing/2014/main" id="{C960A737-C0D0-4128-A9C0-D2EC8EC14122}"/>
+              </a:ext>
+            </a:extLst>
+          </p:cNvPr>
+          <p:cNvSpPr/>
+          <p:nvPr/>
+        </p:nvSpPr>
+        <p:spPr>
+          <a:xfrm>
+            <a:off x="609601" y="4843962"/>
+            <a:ext cx="646673" cy="193307"/>
+          </a:xfrm>
+          <a:prstGeom prst="rect">
+            <a:avLst/>
+          </a:prstGeom>
+          <a:solidFill>
+            <a:srgbClr val="C00000"/>
+          </a:solidFill>
+        </p:spPr>
+        <p:style>
+          <a:lnRef idx="2">
+            <a:schemeClr val="accent1">
+              <a:shade val="50000"/>
+            </a:schemeClr>
+          </a:lnRef>
+          <a:fillRef idx="1">
+            <a:schemeClr val="accent1"/>
+          </a:fillRef>
+          <a:effectRef idx="0">
+            <a:schemeClr val="accent1"/>
+          </a:effectRef>
+          <a:fontRef idx="minor">
+            <a:schemeClr val="lt1"/>
+          </a:fontRef>
+        </p:style>
+        <p:txBody>
+          <a:bodyPr rtlCol="0" anchor="ctr"/>
+          <a:lstStyle/>
+          <a:p>
+            <a:pPr algn="ctr"/>
+            <a:r>
+              <a:rPr lang="en-US" sz="1400" dirty="0"/>
+              <a:t>3xxxx</a:t>
+            </a:r>
+          </a:p>
+        </p:txBody>
+      </p:sp>
+      <p:sp>
+        <p:nvSpPr>
+          <p:cNvPr id="57" name="Rectangle 56">
+            <a:extLst>
+              <a:ext uri="{FF2B5EF4-FFF2-40B4-BE49-F238E27FC236}">
+                <a16:creationId xmlns:a16="http://schemas.microsoft.com/office/drawing/2014/main" id="{B27AF002-EF2E-4E19-80CA-4CC9579DD802}"/>
+              </a:ext>
+            </a:extLst>
+          </p:cNvPr>
+          <p:cNvSpPr/>
+          <p:nvPr/>
+        </p:nvSpPr>
+        <p:spPr>
+          <a:xfrm>
+            <a:off x="1664040" y="4843961"/>
+            <a:ext cx="646673" cy="193307"/>
+          </a:xfrm>
+          <a:prstGeom prst="rect">
+            <a:avLst/>
+          </a:prstGeom>
+          <a:solidFill>
+            <a:srgbClr val="C00000"/>
+          </a:solidFill>
+        </p:spPr>
+        <p:style>
+          <a:lnRef idx="2">
+            <a:schemeClr val="accent1">
+              <a:shade val="50000"/>
+            </a:schemeClr>
+          </a:lnRef>
+          <a:fillRef idx="1">
+            <a:schemeClr val="accent1"/>
+          </a:fillRef>
+          <a:effectRef idx="0">
+            <a:schemeClr val="accent1"/>
+          </a:effectRef>
+          <a:fontRef idx="minor">
+            <a:schemeClr val="lt1"/>
+          </a:fontRef>
+        </p:style>
+        <p:txBody>
+          <a:bodyPr rtlCol="0" anchor="ctr"/>
+          <a:lstStyle/>
+          <a:p>
+            <a:pPr algn="ctr"/>
+            <a:r>
+              <a:rPr lang="en-US" sz="1400" dirty="0"/>
+              <a:t>80</a:t>
+            </a:r>
+          </a:p>
+        </p:txBody>
+      </p:sp>
+      <p:sp>
+        <p:nvSpPr>
+          <p:cNvPr id="55" name="Rectangle 54">
+            <a:extLst>
+              <a:ext uri="{FF2B5EF4-FFF2-40B4-BE49-F238E27FC236}">
+                <a16:creationId xmlns:a16="http://schemas.microsoft.com/office/drawing/2014/main" id="{3C593B52-4CD6-4D3C-ABD5-9C956F3E4C9F}"/>
+              </a:ext>
+            </a:extLst>
+          </p:cNvPr>
+          <p:cNvSpPr/>
+          <p:nvPr/>
+        </p:nvSpPr>
+        <p:spPr>
+          <a:xfrm>
+            <a:off x="609601" y="4323442"/>
+            <a:ext cx="1701112" cy="520520"/>
+          </a:xfrm>
+          <a:prstGeom prst="rect">
+            <a:avLst/>
+          </a:prstGeom>
+          <a:solidFill>
+            <a:srgbClr val="DA006D"/>
+          </a:solidFill>
+        </p:spPr>
+        <p:style>
+          <a:lnRef idx="2">
+            <a:schemeClr val="accent1">
+              <a:shade val="50000"/>
+            </a:schemeClr>
+          </a:lnRef>
+          <a:fillRef idx="1">
+            <a:schemeClr val="accent1"/>
+          </a:fillRef>
+          <a:effectRef idx="0">
+            <a:schemeClr val="accent1"/>
+          </a:effectRef>
+          <a:fontRef idx="minor">
+            <a:schemeClr val="lt1"/>
+          </a:fontRef>
+        </p:style>
+        <p:txBody>
+          <a:bodyPr rtlCol="0" anchor="ctr"/>
+          <a:lstStyle/>
+          <a:p>
+            <a:pPr algn="ctr"/>
+            <a:r>
+              <a:rPr lang="en-US" sz="1600" dirty="0"/>
+              <a:t>Node Port</a:t>
+            </a:r>
+          </a:p>
+        </p:txBody>
+      </p:sp>
+      <p:cxnSp>
+        <p:nvCxnSpPr>
+          <p:cNvPr id="59" name="Straight Arrow Connector 58">
+            <a:extLst>
+              <a:ext uri="{FF2B5EF4-FFF2-40B4-BE49-F238E27FC236}">
+                <a16:creationId xmlns:a16="http://schemas.microsoft.com/office/drawing/2014/main" id="{AE0641E8-327B-4F08-9ABE-5983CA9F937B}"/>
+              </a:ext>
+            </a:extLst>
+          </p:cNvPr>
+          <p:cNvCxnSpPr>
+            <a:cxnSpLocks/>
+          </p:cNvCxnSpPr>
+          <p:nvPr/>
+        </p:nvCxnSpPr>
+        <p:spPr>
+          <a:xfrm>
+            <a:off x="181232" y="4940614"/>
+            <a:ext cx="428369" cy="0"/>
+          </a:xfrm>
+          <a:prstGeom prst="straightConnector1">
+            <a:avLst/>
+          </a:prstGeom>
+          <a:ln>
+            <a:solidFill>
+              <a:srgbClr val="DA006D"/>
+            </a:solidFill>
+            <a:tailEnd type="triangle"/>
+          </a:ln>
+        </p:spPr>
+        <p:style>
+          <a:lnRef idx="3">
+            <a:schemeClr val="accent1"/>
+          </a:lnRef>
+          <a:fillRef idx="0">
+            <a:schemeClr val="accent1"/>
+          </a:fillRef>
+          <a:effectRef idx="2">
+            <a:schemeClr val="accent1"/>
+          </a:effectRef>
+          <a:fontRef idx="minor">
+            <a:schemeClr val="tx1"/>
+          </a:fontRef>
+        </p:style>
+      </p:cxnSp>
+      <p:cxnSp>
+        <p:nvCxnSpPr>
+          <p:cNvPr id="62" name="Connector: Elbow 61">
+            <a:extLst>
+              <a:ext uri="{FF2B5EF4-FFF2-40B4-BE49-F238E27FC236}">
+                <a16:creationId xmlns:a16="http://schemas.microsoft.com/office/drawing/2014/main" id="{DD6A34A7-4E1C-42D3-90F8-3E6D27737DE0}"/>
+              </a:ext>
+            </a:extLst>
+          </p:cNvPr>
+          <p:cNvCxnSpPr>
+            <a:cxnSpLocks/>
+            <a:stCxn id="57" idx="3"/>
+            <a:endCxn id="48" idx="1"/>
+          </p:cNvCxnSpPr>
+          <p:nvPr/>
+        </p:nvCxnSpPr>
+        <p:spPr>
+          <a:xfrm flipV="1">
+            <a:off x="2310713" y="4480220"/>
+            <a:ext cx="2741138" cy="460395"/>
+          </a:xfrm>
+          <a:prstGeom prst="bentConnector3">
+            <a:avLst/>
+          </a:prstGeom>
+          <a:ln>
+            <a:solidFill>
+              <a:srgbClr val="DA006D"/>
+            </a:solidFill>
+            <a:headEnd type="triangle"/>
+            <a:tailEnd type="triangle"/>
+          </a:ln>
+        </p:spPr>
+        <p:style>
+          <a:lnRef idx="3">
+            <a:schemeClr val="accent1"/>
+          </a:lnRef>
+          <a:fillRef idx="0">
+            <a:schemeClr val="accent1"/>
+          </a:fillRef>
+          <a:effectRef idx="2">
+            <a:schemeClr val="accent1"/>
+          </a:effectRef>
+          <a:fontRef idx="minor">
+            <a:schemeClr val="tx1"/>
+          </a:fontRef>
+        </p:style>
+      </p:cxnSp>
+    </p:spTree>
+    <p:extLst>
+      <p:ext uri="{BB962C8B-B14F-4D97-AF65-F5344CB8AC3E}">
+        <p14:creationId xmlns:p14="http://schemas.microsoft.com/office/powerpoint/2010/main" val="444611374"/>
+      </p:ext>
+    </p:extLst>
+  </p:cSld>
+  <p:clrMapOvr>
+    <a:masterClrMapping/>
+  </p:clrMapOvr>
+  <mc:AlternateContent xmlns:mc="http://schemas.openxmlformats.org/markup-compatibility/2006" xmlns:p159="http://schemas.microsoft.com/office/powerpoint/2015/09/main">
+    <mc:Choice Requires="p159">
+      <p:transition xmlns:p14="http://schemas.microsoft.com/office/powerpoint/2010/main" spd="slow" p14:dur="2000">
+        <p159:morph option="byObject"/>
+      </p:transition>
+    </mc:Choice>
+    <mc:Fallback xmlns="">
       <p:transition spd="slow">
         <p:fade/>
       </p:transition>
